--- a/English_presentation_project.pptx
+++ b/English_presentation_project.pptx
@@ -5409,8 +5409,9 @@
           <a:p>
             <a:r>
               <a:rPr lang="fr-FR" dirty="0" smtClean="0"/>
-              <a:t>REMINDER SPECIFICATIONS</a:t>
-            </a:r>
+              <a:t>REQUIREMENTS</a:t>
+            </a:r>
+            <a:endParaRPr lang="fr-FR" dirty="0"/>
           </a:p>
           <a:p>
             <a:endParaRPr lang="fr-FR" dirty="0"/>
@@ -5574,30 +5575,89 @@
           <a:p>
             <a:r>
               <a:rPr lang="fr-FR" dirty="0" err="1" smtClean="0"/>
-              <a:t>iLearn</a:t>
+              <a:t>Revolution</a:t>
             </a:r>
             <a:r>
               <a:rPr lang="fr-FR" dirty="0" smtClean="0"/>
               <a:t> </a:t>
             </a:r>
-          </a:p>
-          <a:p>
-            <a:r>
-              <a:rPr lang="fr-FR" dirty="0" err="1" smtClean="0"/>
-              <a:t>Revolution</a:t>
-            </a:r>
             <a:r>
               <a:rPr lang="fr-FR" dirty="0" smtClean="0"/>
-              <a:t> of </a:t>
+              <a:t>of </a:t>
             </a:r>
             <a:r>
               <a:rPr lang="fr-FR" dirty="0" err="1" smtClean="0"/>
               <a:t>learning</a:t>
             </a:r>
             <a:r>
-              <a:rPr lang="fr-FR" smtClean="0"/>
+              <a:rPr lang="fr-FR" dirty="0" smtClean="0"/>
               <a:t> English </a:t>
             </a:r>
+            <a:endParaRPr lang="fr-FR" dirty="0" smtClean="0"/>
+          </a:p>
+          <a:p>
+            <a:r>
+              <a:rPr lang="fr-FR" dirty="0" err="1" smtClean="0"/>
+              <a:t>What</a:t>
+            </a:r>
+            <a:r>
+              <a:rPr lang="fr-FR" dirty="0" smtClean="0"/>
+              <a:t> </a:t>
+            </a:r>
+            <a:r>
+              <a:rPr lang="fr-FR" dirty="0" err="1" smtClean="0"/>
+              <a:t>is</a:t>
+            </a:r>
+            <a:r>
+              <a:rPr lang="fr-FR" dirty="0" smtClean="0"/>
+              <a:t> </a:t>
+            </a:r>
+            <a:r>
+              <a:rPr lang="fr-FR" dirty="0" err="1" smtClean="0"/>
+              <a:t>iLearn</a:t>
+            </a:r>
+            <a:r>
+              <a:rPr lang="fr-FR" dirty="0" smtClean="0"/>
+              <a:t> ?</a:t>
+            </a:r>
+          </a:p>
+          <a:p>
+            <a:r>
+              <a:rPr lang="fr-FR" dirty="0" smtClean="0"/>
+              <a:t>3 exercices </a:t>
+            </a:r>
+          </a:p>
+          <a:p>
+            <a:r>
+              <a:rPr lang="fr-FR" dirty="0" err="1" smtClean="0"/>
+              <a:t>Improve</a:t>
+            </a:r>
+            <a:r>
+              <a:rPr lang="fr-FR" dirty="0"/>
+              <a:t> </a:t>
+            </a:r>
+            <a:r>
+              <a:rPr lang="fr-FR" dirty="0" err="1" smtClean="0"/>
+              <a:t>yours</a:t>
+            </a:r>
+            <a:r>
+              <a:rPr lang="fr-FR" dirty="0" smtClean="0"/>
+              <a:t> </a:t>
+            </a:r>
+            <a:r>
+              <a:rPr lang="fr-FR" dirty="0" err="1" smtClean="0"/>
+              <a:t>Skills</a:t>
+            </a:r>
+            <a:r>
+              <a:rPr lang="fr-FR" dirty="0" smtClean="0"/>
+              <a:t> </a:t>
+            </a:r>
+            <a:endParaRPr lang="fr-FR" dirty="0" smtClean="0"/>
+          </a:p>
+          <a:p>
+            <a:endParaRPr lang="fr-FR" dirty="0" smtClean="0"/>
+          </a:p>
+          <a:p>
             <a:endParaRPr lang="fr-FR" dirty="0"/>
           </a:p>
         </p:txBody>
@@ -5701,31 +5761,71 @@
           <a:lstStyle/>
           <a:p>
             <a:r>
-              <a:rPr lang="fr-FR" dirty="0"/>
-              <a:t>REMINDER </a:t>
-            </a:r>
+              <a:rPr lang="fr-FR" dirty="0" err="1" smtClean="0"/>
+              <a:t>Requirements</a:t>
+            </a:r>
+            <a:endParaRPr lang="fr-FR" dirty="0"/>
+          </a:p>
+        </p:txBody>
+      </p:sp>
+      <p:sp>
+        <p:nvSpPr>
+          <p:cNvPr id="3" name="Espace réservé du contenu 2"/>
+          <p:cNvSpPr>
+            <a:spLocks noGrp="1"/>
+          </p:cNvSpPr>
+          <p:nvPr>
+            <p:ph idx="1"/>
+          </p:nvPr>
+        </p:nvSpPr>
+        <p:spPr/>
+        <p:txBody>
+          <a:bodyPr/>
+          <a:lstStyle/>
+          <a:p>
             <a:r>
               <a:rPr lang="fr-FR" dirty="0" smtClean="0"/>
-              <a:t>SPECIFICATIONS</a:t>
-            </a:r>
-            <a:endParaRPr lang="fr-FR" dirty="0"/>
-          </a:p>
-        </p:txBody>
-      </p:sp>
-      <p:sp>
-        <p:nvSpPr>
-          <p:cNvPr id="3" name="Espace réservé du contenu 2"/>
-          <p:cNvSpPr>
-            <a:spLocks noGrp="1"/>
-          </p:cNvSpPr>
-          <p:nvPr>
-            <p:ph idx="1"/>
-          </p:nvPr>
-        </p:nvSpPr>
-        <p:spPr/>
-        <p:txBody>
-          <a:bodyPr/>
-          <a:lstStyle/>
+              <a:t>Mix English and IT </a:t>
+            </a:r>
+            <a:r>
+              <a:rPr lang="fr-FR" dirty="0" err="1" smtClean="0"/>
+              <a:t>Skills</a:t>
+            </a:r>
+            <a:endParaRPr lang="fr-FR" dirty="0" smtClean="0"/>
+          </a:p>
+          <a:p>
+            <a:r>
+              <a:rPr lang="fr-FR" dirty="0" err="1" smtClean="0"/>
+              <a:t>Easy</a:t>
+            </a:r>
+            <a:r>
+              <a:rPr lang="fr-FR" dirty="0" smtClean="0"/>
+              <a:t> to use </a:t>
+            </a:r>
+          </a:p>
+          <a:p>
+            <a:r>
+              <a:rPr lang="fr-FR" dirty="0" smtClean="0"/>
+              <a:t>Light and </a:t>
+            </a:r>
+            <a:r>
+              <a:rPr lang="fr-FR" dirty="0" err="1" smtClean="0"/>
+              <a:t>Fast</a:t>
+            </a:r>
+            <a:r>
+              <a:rPr lang="fr-FR" dirty="0" smtClean="0"/>
+              <a:t> </a:t>
+            </a:r>
+          </a:p>
+          <a:p>
+            <a:r>
+              <a:rPr lang="fr-FR" dirty="0" smtClean="0"/>
+              <a:t>Responsive Design</a:t>
+            </a:r>
+          </a:p>
+          <a:p>
+            <a:endParaRPr lang="fr-FR" dirty="0" smtClean="0"/>
+          </a:p>
           <a:p>
             <a:endParaRPr lang="fr-FR" dirty="0"/>
           </a:p>
@@ -5856,7 +5956,36 @@
           <a:bodyPr/>
           <a:lstStyle/>
           <a:p>
-            <a:endParaRPr lang="fr-FR"/>
+            <a:pPr marL="0" indent="0"/>
+            <a:r>
+              <a:rPr lang="fr-FR" dirty="0" err="1" smtClean="0"/>
+              <a:t>NodeJs</a:t>
+            </a:r>
+            <a:endParaRPr lang="fr-FR" dirty="0" smtClean="0"/>
+          </a:p>
+          <a:p>
+            <a:pPr marL="0" indent="0"/>
+            <a:r>
+              <a:rPr lang="fr-FR" dirty="0" err="1" smtClean="0"/>
+              <a:t>AngularJs</a:t>
+            </a:r>
+            <a:endParaRPr lang="fr-FR" dirty="0" smtClean="0"/>
+          </a:p>
+          <a:p>
+            <a:pPr marL="0" indent="0"/>
+            <a:r>
+              <a:rPr lang="fr-FR" dirty="0" err="1" smtClean="0"/>
+              <a:t>Bootstrap</a:t>
+            </a:r>
+            <a:endParaRPr lang="fr-FR" dirty="0" smtClean="0"/>
+          </a:p>
+          <a:p>
+            <a:pPr marL="0" indent="0"/>
+            <a:r>
+              <a:rPr lang="fr-FR" smtClean="0"/>
+              <a:t>JSON </a:t>
+            </a:r>
+            <a:endParaRPr lang="fr-FR" dirty="0"/>
           </a:p>
         </p:txBody>
       </p:sp>
@@ -5982,12 +6111,67 @@
           <a:lstStyle/>
           <a:p>
             <a:r>
+              <a:rPr lang="fr-FR" dirty="0" smtClean="0"/>
+              <a:t>3 </a:t>
+            </a:r>
+            <a:r>
+              <a:rPr lang="fr-FR" dirty="0" err="1" smtClean="0"/>
+              <a:t>exercises</a:t>
+            </a:r>
+            <a:r>
+              <a:rPr lang="fr-FR" dirty="0" smtClean="0"/>
+              <a:t> :</a:t>
+            </a:r>
+          </a:p>
+          <a:p>
+            <a:pPr>
+              <a:buFont typeface="Arial" panose="020B0604020202020204" pitchFamily="34" charset="0"/>
+              <a:buChar char="•"/>
+            </a:pPr>
+            <a:r>
+              <a:rPr lang="fr-FR" dirty="0" err="1" smtClean="0"/>
+              <a:t>Toeic</a:t>
+            </a:r>
+            <a:r>
+              <a:rPr lang="fr-FR" dirty="0" smtClean="0"/>
+              <a:t> </a:t>
+            </a:r>
+            <a:endParaRPr lang="fr-FR" dirty="0"/>
+          </a:p>
+          <a:p>
+            <a:pPr>
+              <a:buFont typeface="Arial" panose="020B0604020202020204" pitchFamily="34" charset="0"/>
+              <a:buChar char="•"/>
+            </a:pPr>
+            <a:r>
+              <a:rPr lang="en-US" dirty="0"/>
+              <a:t>Step to apply for a </a:t>
+            </a:r>
+            <a:r>
+              <a:rPr lang="en-US" dirty="0" smtClean="0"/>
+              <a:t>job</a:t>
+            </a:r>
+          </a:p>
+          <a:p>
+            <a:pPr>
+              <a:buFont typeface="Arial" panose="020B0604020202020204" pitchFamily="34" charset="0"/>
+              <a:buChar char="•"/>
+            </a:pPr>
+            <a:r>
+              <a:rPr lang="en-US" dirty="0"/>
+              <a:t>The structure of a Resume </a:t>
+            </a:r>
+          </a:p>
+          <a:p>
+            <a:r>
               <a:rPr lang="fr-FR" dirty="0" err="1" smtClean="0">
                 <a:hlinkClick r:id="rId2"/>
               </a:rPr>
               <a:t>iLearn</a:t>
             </a:r>
-            <a:endParaRPr lang="fr-FR" dirty="0"/>
+            <a:endParaRPr lang="fr-FR" dirty="0">
+              <a:hlinkClick r:id="rId2"/>
+            </a:endParaRPr>
           </a:p>
         </p:txBody>
       </p:sp>
@@ -6116,7 +6300,96 @@
           <a:bodyPr/>
           <a:lstStyle/>
           <a:p>
-            <a:endParaRPr lang="fr-FR"/>
+            <a:r>
+              <a:rPr lang="fr-FR" dirty="0" err="1" smtClean="0"/>
+              <a:t>Raspberry</a:t>
+            </a:r>
+            <a:r>
+              <a:rPr lang="fr-FR" dirty="0" smtClean="0"/>
+              <a:t>  PI</a:t>
+            </a:r>
+            <a:r>
+              <a:rPr lang="fr-FR" dirty="0" smtClean="0"/>
+              <a:t>( </a:t>
+            </a:r>
+            <a:r>
+              <a:rPr lang="fr-FR" dirty="0" err="1" smtClean="0"/>
+              <a:t>little</a:t>
+            </a:r>
+            <a:r>
+              <a:rPr lang="fr-FR" dirty="0" smtClean="0"/>
+              <a:t> computer) </a:t>
+            </a:r>
+          </a:p>
+          <a:p>
+            <a:r>
+              <a:rPr lang="fr-FR" dirty="0" err="1" smtClean="0"/>
+              <a:t>Send</a:t>
+            </a:r>
+            <a:r>
+              <a:rPr lang="fr-FR" dirty="0" smtClean="0"/>
+              <a:t> mail </a:t>
+            </a:r>
+            <a:r>
+              <a:rPr lang="fr-FR" dirty="0" err="1" smtClean="0"/>
+              <a:t>with</a:t>
+            </a:r>
+            <a:r>
+              <a:rPr lang="fr-FR" dirty="0" smtClean="0"/>
+              <a:t> score </a:t>
+            </a:r>
+          </a:p>
+          <a:p>
+            <a:r>
+              <a:rPr lang="fr-FR" dirty="0" smtClean="0"/>
+              <a:t>Exchange files server</a:t>
+            </a:r>
+          </a:p>
+          <a:p>
+            <a:r>
+              <a:rPr lang="fr-FR" dirty="0" err="1" smtClean="0"/>
+              <a:t>Possibility</a:t>
+            </a:r>
+            <a:r>
+              <a:rPr lang="fr-FR" dirty="0" smtClean="0"/>
+              <a:t> to </a:t>
+            </a:r>
+            <a:r>
+              <a:rPr lang="fr-FR" dirty="0" err="1" smtClean="0"/>
+              <a:t>add</a:t>
+            </a:r>
+            <a:r>
+              <a:rPr lang="fr-FR" dirty="0" smtClean="0"/>
+              <a:t> exercices</a:t>
+            </a:r>
+          </a:p>
+          <a:p>
+            <a:r>
+              <a:rPr lang="fr-FR" dirty="0" err="1" smtClean="0"/>
+              <a:t>Account</a:t>
+            </a:r>
+            <a:r>
+              <a:rPr lang="fr-FR" dirty="0" smtClean="0"/>
+              <a:t> management</a:t>
+            </a:r>
+          </a:p>
+          <a:p>
+            <a:r>
+              <a:rPr lang="fr-FR" dirty="0"/>
+              <a:t>	</a:t>
+            </a:r>
+            <a:r>
+              <a:rPr lang="fr-FR" dirty="0" smtClean="0"/>
+              <a:t>Dashboard for the </a:t>
+            </a:r>
+            <a:r>
+              <a:rPr lang="fr-FR" dirty="0" err="1" smtClean="0"/>
+              <a:t>teacher</a:t>
+            </a:r>
+            <a:endParaRPr lang="fr-FR" dirty="0" smtClean="0"/>
+          </a:p>
+          <a:p>
+            <a:endParaRPr lang="fr-FR" dirty="0" smtClean="0"/>
           </a:p>
         </p:txBody>
       </p:sp>
@@ -6241,7 +6514,33 @@
           <a:bodyPr/>
           <a:lstStyle/>
           <a:p>
-            <a:endParaRPr lang="fr-FR"/>
+            <a:r>
+              <a:rPr lang="fr-FR" dirty="0" smtClean="0"/>
+              <a:t>Good </a:t>
+            </a:r>
+            <a:r>
+              <a:rPr lang="fr-FR" dirty="0" err="1" smtClean="0"/>
+              <a:t>project</a:t>
+            </a:r>
+            <a:r>
+              <a:rPr lang="fr-FR" dirty="0" smtClean="0"/>
+              <a:t> </a:t>
+            </a:r>
+          </a:p>
+          <a:p>
+            <a:r>
+              <a:rPr lang="fr-FR" dirty="0" smtClean="0"/>
+              <a:t>Continu in </a:t>
+            </a:r>
+            <a:r>
+              <a:rPr lang="fr-FR" dirty="0" err="1" smtClean="0"/>
+              <a:t>our</a:t>
+            </a:r>
+            <a:r>
+              <a:rPr lang="fr-FR" dirty="0" smtClean="0"/>
+              <a:t> free time </a:t>
+            </a:r>
+            <a:endParaRPr lang="fr-FR" dirty="0"/>
           </a:p>
         </p:txBody>
       </p:sp>

--- a/English_presentation_project.pptx
+++ b/English_presentation_project.pptx
@@ -5363,16 +5363,22 @@
             <p:ph type="title"/>
           </p:nvPr>
         </p:nvSpPr>
-        <p:spPr/>
+        <p:spPr>
+          <a:xfrm>
+            <a:off x="827584" y="332656"/>
+            <a:ext cx="7520940" cy="548640"/>
+          </a:xfrm>
+        </p:spPr>
         <p:txBody>
           <a:bodyPr/>
           <a:lstStyle/>
           <a:p>
-            <a:r>
-              <a:rPr lang="fr-FR" dirty="0" smtClean="0"/>
+            <a:pPr algn="ctr"/>
+            <a:r>
+              <a:rPr lang="fr-FR" i="1" dirty="0" smtClean="0"/>
               <a:t>SUMMARY</a:t>
             </a:r>
-            <a:endParaRPr lang="fr-FR" dirty="0"/>
+            <a:endParaRPr lang="fr-FR" i="1" dirty="0"/>
           </a:p>
         </p:txBody>
       </p:sp>
@@ -5398,15 +5404,34 @@
           </a:bodyPr>
           <a:lstStyle/>
           <a:p>
+            <a:pPr>
+              <a:buFont typeface="Arial" panose="020B0604020202020204" pitchFamily="34" charset="0"/>
+              <a:buChar char="•"/>
+            </a:pPr>
+            <a:endParaRPr lang="fr-FR" dirty="0" smtClean="0"/>
+          </a:p>
+          <a:p>
+            <a:pPr>
+              <a:buFont typeface="Arial" panose="020B0604020202020204" pitchFamily="34" charset="0"/>
+              <a:buChar char="•"/>
+            </a:pPr>
             <a:r>
               <a:rPr lang="fr-FR" dirty="0" smtClean="0"/>
               <a:t>INTRODUCTION</a:t>
             </a:r>
           </a:p>
           <a:p>
+            <a:pPr>
+              <a:buFont typeface="Arial" panose="020B0604020202020204" pitchFamily="34" charset="0"/>
+              <a:buChar char="•"/>
+            </a:pPr>
             <a:endParaRPr lang="fr-FR" dirty="0"/>
           </a:p>
           <a:p>
+            <a:pPr>
+              <a:buFont typeface="Arial" panose="020B0604020202020204" pitchFamily="34" charset="0"/>
+              <a:buChar char="•"/>
+            </a:pPr>
             <a:r>
               <a:rPr lang="fr-FR" dirty="0" smtClean="0"/>
               <a:t>REQUIREMENTS</a:t>
@@ -5414,36 +5439,53 @@
             <a:endParaRPr lang="fr-FR" dirty="0"/>
           </a:p>
           <a:p>
+            <a:pPr>
+              <a:buFont typeface="Arial" panose="020B0604020202020204" pitchFamily="34" charset="0"/>
+              <a:buChar char="•"/>
+            </a:pPr>
+            <a:r>
+              <a:rPr lang="fr-FR" dirty="0" smtClean="0"/>
+              <a:t>TECHNICALS </a:t>
+            </a:r>
+            <a:r>
+              <a:rPr lang="fr-FR" dirty="0" smtClean="0"/>
+              <a:t>CHOICES</a:t>
+            </a:r>
             <a:endParaRPr lang="fr-FR" dirty="0"/>
           </a:p>
           <a:p>
-            <a:r>
-              <a:rPr lang="fr-FR" dirty="0" smtClean="0"/>
-              <a:t>TECHNICALS CHOICES</a:t>
-            </a:r>
-          </a:p>
-          <a:p>
-            <a:endParaRPr lang="fr-FR" dirty="0"/>
-          </a:p>
-          <a:p>
+            <a:pPr>
+              <a:buFont typeface="Arial" panose="020B0604020202020204" pitchFamily="34" charset="0"/>
+              <a:buChar char="•"/>
+            </a:pPr>
             <a:r>
               <a:rPr lang="fr-FR" dirty="0" smtClean="0"/>
               <a:t>DEMO</a:t>
             </a:r>
-          </a:p>
-          <a:p>
             <a:endParaRPr lang="fr-FR" dirty="0"/>
           </a:p>
           <a:p>
+            <a:pPr>
+              <a:buFont typeface="Arial" panose="020B0604020202020204" pitchFamily="34" charset="0"/>
+              <a:buChar char="•"/>
+            </a:pPr>
             <a:r>
               <a:rPr lang="fr-FR" dirty="0" smtClean="0"/>
               <a:t>OTHER FONCTIONALITY</a:t>
             </a:r>
           </a:p>
           <a:p>
+            <a:pPr>
+              <a:buFont typeface="Arial" panose="020B0604020202020204" pitchFamily="34" charset="0"/>
+              <a:buChar char="•"/>
+            </a:pPr>
             <a:endParaRPr lang="fr-FR" dirty="0"/>
           </a:p>
           <a:p>
+            <a:pPr>
+              <a:buFont typeface="Arial" panose="020B0604020202020204" pitchFamily="34" charset="0"/>
+              <a:buChar char="•"/>
+            </a:pPr>
             <a:r>
               <a:rPr lang="fr-FR" dirty="0" smtClean="0"/>
               <a:t>CONCLUSION</a:t>
@@ -5498,6 +5540,36 @@
           </a:p>
         </p:txBody>
       </p:sp>
+      <p:pic>
+        <p:nvPicPr>
+          <p:cNvPr id="6" name="Image 5"/>
+          <p:cNvPicPr>
+            <a:picLocks noChangeAspect="1"/>
+          </p:cNvPicPr>
+          <p:nvPr/>
+        </p:nvPicPr>
+        <p:blipFill>
+          <a:blip r:embed="rId2">
+            <a:extLst>
+              <a:ext uri="{28A0092B-C50C-407E-A947-70E740481C1C}">
+                <a14:useLocalDpi xmlns:a14="http://schemas.microsoft.com/office/drawing/2010/main" val="0"/>
+              </a:ext>
+            </a:extLst>
+          </a:blip>
+          <a:stretch>
+            <a:fillRect/>
+          </a:stretch>
+        </p:blipFill>
+        <p:spPr>
+          <a:xfrm rot="16200000">
+            <a:off x="6173670" y="1646803"/>
+            <a:ext cx="3564397" cy="2376264"/>
+          </a:xfrm>
+          <a:prstGeom prst="rect">
+            <a:avLst/>
+          </a:prstGeom>
+        </p:spPr>
+      </p:pic>
     </p:spTree>
     <p:extLst>
       <p:ext uri="{BB962C8B-B14F-4D97-AF65-F5344CB8AC3E}">
@@ -5550,29 +5622,40 @@
           <a:bodyPr/>
           <a:lstStyle/>
           <a:p>
-            <a:r>
-              <a:rPr lang="fr-FR" dirty="0" smtClean="0"/>
+            <a:pPr algn="ctr"/>
+            <a:r>
+              <a:rPr lang="fr-FR" i="1" dirty="0" smtClean="0"/>
               <a:t>INTRODUCTION</a:t>
             </a:r>
+            <a:endParaRPr lang="fr-FR" i="1" dirty="0"/>
+          </a:p>
+        </p:txBody>
+      </p:sp>
+      <p:sp>
+        <p:nvSpPr>
+          <p:cNvPr id="3" name="Espace réservé du contenu 2"/>
+          <p:cNvSpPr>
+            <a:spLocks noGrp="1"/>
+          </p:cNvSpPr>
+          <p:nvPr>
+            <p:ph idx="1"/>
+          </p:nvPr>
+        </p:nvSpPr>
+        <p:spPr/>
+        <p:txBody>
+          <a:bodyPr/>
+          <a:lstStyle/>
+          <a:p>
+            <a:endParaRPr lang="fr-FR" dirty="0" smtClean="0"/>
+          </a:p>
+          <a:p>
             <a:endParaRPr lang="fr-FR" dirty="0"/>
           </a:p>
-        </p:txBody>
-      </p:sp>
-      <p:sp>
-        <p:nvSpPr>
-          <p:cNvPr id="3" name="Espace réservé du contenu 2"/>
-          <p:cNvSpPr>
-            <a:spLocks noGrp="1"/>
-          </p:cNvSpPr>
-          <p:nvPr>
-            <p:ph idx="1"/>
-          </p:nvPr>
-        </p:nvSpPr>
-        <p:spPr/>
-        <p:txBody>
-          <a:bodyPr/>
-          <a:lstStyle/>
-          <a:p>
+          <a:p>
+            <a:pPr>
+              <a:buFont typeface="Arial" panose="020B0604020202020204" pitchFamily="34" charset="0"/>
+              <a:buChar char="•"/>
+            </a:pPr>
             <a:r>
               <a:rPr lang="fr-FR" dirty="0" err="1" smtClean="0"/>
               <a:t>Revolution</a:t>
@@ -5593,9 +5676,12 @@
               <a:rPr lang="fr-FR" dirty="0" smtClean="0"/>
               <a:t> English </a:t>
             </a:r>
-            <a:endParaRPr lang="fr-FR" dirty="0" smtClean="0"/>
-          </a:p>
-          <a:p>
+          </a:p>
+          <a:p>
+            <a:pPr>
+              <a:buFont typeface="Arial" panose="020B0604020202020204" pitchFamily="34" charset="0"/>
+              <a:buChar char="•"/>
+            </a:pPr>
             <a:r>
               <a:rPr lang="fr-FR" dirty="0" err="1" smtClean="0"/>
               <a:t>What</a:t>
@@ -5622,12 +5708,20 @@
             </a:r>
           </a:p>
           <a:p>
+            <a:pPr>
+              <a:buFont typeface="Arial" panose="020B0604020202020204" pitchFamily="34" charset="0"/>
+              <a:buChar char="•"/>
+            </a:pPr>
             <a:r>
               <a:rPr lang="fr-FR" dirty="0" smtClean="0"/>
               <a:t>3 exercices </a:t>
             </a:r>
           </a:p>
           <a:p>
+            <a:pPr>
+              <a:buFont typeface="Arial" panose="020B0604020202020204" pitchFamily="34" charset="0"/>
+              <a:buChar char="•"/>
+            </a:pPr>
             <a:r>
               <a:rPr lang="fr-FR" dirty="0" err="1" smtClean="0"/>
               <a:t>Improve</a:t>
@@ -5638,7 +5732,7 @@
             </a:r>
             <a:r>
               <a:rPr lang="fr-FR" dirty="0" err="1" smtClean="0"/>
-              <a:t>yours</a:t>
+              <a:t>your</a:t>
             </a:r>
             <a:r>
               <a:rPr lang="fr-FR" dirty="0" smtClean="0"/>
@@ -5652,9 +5746,12 @@
               <a:rPr lang="fr-FR" dirty="0" smtClean="0"/>
               <a:t> </a:t>
             </a:r>
-            <a:endParaRPr lang="fr-FR" dirty="0" smtClean="0"/>
-          </a:p>
-          <a:p>
+          </a:p>
+          <a:p>
+            <a:pPr>
+              <a:buFont typeface="Arial" panose="020B0604020202020204" pitchFamily="34" charset="0"/>
+              <a:buChar char="•"/>
+            </a:pPr>
             <a:endParaRPr lang="fr-FR" dirty="0" smtClean="0"/>
           </a:p>
           <a:p>
@@ -5708,6 +5805,36 @@
           </a:p>
         </p:txBody>
       </p:sp>
+      <p:pic>
+        <p:nvPicPr>
+          <p:cNvPr id="7" name="Image 6"/>
+          <p:cNvPicPr>
+            <a:picLocks noChangeAspect="1"/>
+          </p:cNvPicPr>
+          <p:nvPr/>
+        </p:nvPicPr>
+        <p:blipFill>
+          <a:blip r:embed="rId2">
+            <a:extLst>
+              <a:ext uri="{28A0092B-C50C-407E-A947-70E740481C1C}">
+                <a14:useLocalDpi xmlns:a14="http://schemas.microsoft.com/office/drawing/2010/main" val="0"/>
+              </a:ext>
+            </a:extLst>
+          </a:blip>
+          <a:stretch>
+            <a:fillRect/>
+          </a:stretch>
+        </p:blipFill>
+        <p:spPr>
+          <a:xfrm>
+            <a:off x="5580112" y="1340768"/>
+            <a:ext cx="3101330" cy="2617523"/>
+          </a:xfrm>
+          <a:prstGeom prst="rect">
+            <a:avLst/>
+          </a:prstGeom>
+        </p:spPr>
+      </p:pic>
     </p:spTree>
     <p:extLst>
       <p:ext uri="{BB962C8B-B14F-4D97-AF65-F5344CB8AC3E}">
@@ -5760,32 +5887,55 @@
           <a:bodyPr/>
           <a:lstStyle/>
           <a:p>
-            <a:r>
-              <a:rPr lang="fr-FR" dirty="0" err="1" smtClean="0"/>
+            <a:pPr algn="ctr"/>
+            <a:r>
+              <a:rPr lang="fr-FR" i="1" dirty="0" err="1" smtClean="0"/>
               <a:t>Requirements</a:t>
             </a:r>
+            <a:endParaRPr lang="fr-FR" i="1" dirty="0"/>
+          </a:p>
+        </p:txBody>
+      </p:sp>
+      <p:sp>
+        <p:nvSpPr>
+          <p:cNvPr id="3" name="Espace réservé du contenu 2"/>
+          <p:cNvSpPr>
+            <a:spLocks noGrp="1"/>
+          </p:cNvSpPr>
+          <p:nvPr>
+            <p:ph idx="1"/>
+          </p:nvPr>
+        </p:nvSpPr>
+        <p:spPr/>
+        <p:txBody>
+          <a:bodyPr/>
+          <a:lstStyle/>
+          <a:p>
+            <a:pPr>
+              <a:buFont typeface="Arial" panose="020B0604020202020204" pitchFamily="34" charset="0"/>
+              <a:buChar char="•"/>
+            </a:pPr>
+            <a:endParaRPr lang="fr-FR" dirty="0" smtClean="0"/>
+          </a:p>
+          <a:p>
+            <a:pPr>
+              <a:buFont typeface="Arial" panose="020B0604020202020204" pitchFamily="34" charset="0"/>
+              <a:buChar char="•"/>
+            </a:pPr>
             <a:endParaRPr lang="fr-FR" dirty="0"/>
           </a:p>
-        </p:txBody>
-      </p:sp>
-      <p:sp>
-        <p:nvSpPr>
-          <p:cNvPr id="3" name="Espace réservé du contenu 2"/>
-          <p:cNvSpPr>
-            <a:spLocks noGrp="1"/>
-          </p:cNvSpPr>
-          <p:nvPr>
-            <p:ph idx="1"/>
-          </p:nvPr>
-        </p:nvSpPr>
-        <p:spPr/>
-        <p:txBody>
-          <a:bodyPr/>
-          <a:lstStyle/>
-          <a:p>
+          <a:p>
+            <a:pPr>
+              <a:buFont typeface="Arial" panose="020B0604020202020204" pitchFamily="34" charset="0"/>
+              <a:buChar char="•"/>
+            </a:pPr>
             <a:r>
               <a:rPr lang="fr-FR" dirty="0" smtClean="0"/>
-              <a:t>Mix English and IT </a:t>
+              <a:t>Mix </a:t>
+            </a:r>
+            <a:r>
+              <a:rPr lang="fr-FR" dirty="0" smtClean="0"/>
+              <a:t>English and IT </a:t>
             </a:r>
             <a:r>
               <a:rPr lang="fr-FR" dirty="0" err="1" smtClean="0"/>
@@ -5794,16 +5944,29 @@
             <a:endParaRPr lang="fr-FR" dirty="0" smtClean="0"/>
           </a:p>
           <a:p>
+            <a:pPr>
+              <a:buFont typeface="Arial" panose="020B0604020202020204" pitchFamily="34" charset="0"/>
+              <a:buChar char="•"/>
+            </a:pPr>
             <a:r>
               <a:rPr lang="fr-FR" dirty="0" err="1" smtClean="0"/>
               <a:t>Easy</a:t>
             </a:r>
             <a:r>
               <a:rPr lang="fr-FR" dirty="0" smtClean="0"/>
-              <a:t> to use </a:t>
-            </a:r>
-          </a:p>
-          <a:p>
+              <a:t> </a:t>
+            </a:r>
+            <a:r>
+              <a:rPr lang="fr-FR" dirty="0" smtClean="0"/>
+              <a:t>to use</a:t>
+            </a:r>
+            <a:endParaRPr lang="fr-FR" dirty="0" smtClean="0"/>
+          </a:p>
+          <a:p>
+            <a:pPr>
+              <a:buFont typeface="Arial" panose="020B0604020202020204" pitchFamily="34" charset="0"/>
+              <a:buChar char="•"/>
+            </a:pPr>
             <a:r>
               <a:rPr lang="fr-FR" dirty="0" smtClean="0"/>
               <a:t>Light and </a:t>
@@ -5818,15 +5981,27 @@
             </a:r>
           </a:p>
           <a:p>
+            <a:pPr>
+              <a:buFont typeface="Arial" panose="020B0604020202020204" pitchFamily="34" charset="0"/>
+              <a:buChar char="•"/>
+            </a:pPr>
             <a:r>
               <a:rPr lang="fr-FR" dirty="0" smtClean="0"/>
               <a:t>Responsive Design</a:t>
             </a:r>
           </a:p>
           <a:p>
+            <a:pPr>
+              <a:buFont typeface="Arial" panose="020B0604020202020204" pitchFamily="34" charset="0"/>
+              <a:buChar char="•"/>
+            </a:pPr>
             <a:endParaRPr lang="fr-FR" dirty="0" smtClean="0"/>
           </a:p>
           <a:p>
+            <a:pPr>
+              <a:buFont typeface="Arial" panose="020B0604020202020204" pitchFamily="34" charset="0"/>
+              <a:buChar char="•"/>
+            </a:pPr>
             <a:endParaRPr lang="fr-FR" dirty="0"/>
           </a:p>
         </p:txBody>
@@ -5877,6 +6052,36 @@
           </a:p>
         </p:txBody>
       </p:sp>
+      <p:pic>
+        <p:nvPicPr>
+          <p:cNvPr id="6" name="Image 5"/>
+          <p:cNvPicPr>
+            <a:picLocks noChangeAspect="1"/>
+          </p:cNvPicPr>
+          <p:nvPr/>
+        </p:nvPicPr>
+        <p:blipFill>
+          <a:blip r:embed="rId2">
+            <a:extLst>
+              <a:ext uri="{28A0092B-C50C-407E-A947-70E740481C1C}">
+                <a14:useLocalDpi xmlns:a14="http://schemas.microsoft.com/office/drawing/2010/main" val="0"/>
+              </a:ext>
+            </a:extLst>
+          </a:blip>
+          <a:stretch>
+            <a:fillRect/>
+          </a:stretch>
+        </p:blipFill>
+        <p:spPr>
+          <a:xfrm>
+            <a:off x="5076056" y="1196752"/>
+            <a:ext cx="2857500" cy="2857500"/>
+          </a:xfrm>
+          <a:prstGeom prst="rect">
+            <a:avLst/>
+          </a:prstGeom>
+        </p:spPr>
+      </p:pic>
     </p:spTree>
     <p:extLst>
       <p:ext uri="{BB962C8B-B14F-4D97-AF65-F5344CB8AC3E}">
@@ -5914,6 +6119,66 @@
           <a:chExt cx="0" cy="0"/>
         </a:xfrm>
       </p:grpSpPr>
+      <p:pic>
+        <p:nvPicPr>
+          <p:cNvPr id="11" name="Image 10"/>
+          <p:cNvPicPr>
+            <a:picLocks noChangeAspect="1"/>
+          </p:cNvPicPr>
+          <p:nvPr/>
+        </p:nvPicPr>
+        <p:blipFill>
+          <a:blip r:embed="rId2" cstate="print">
+            <a:extLst>
+              <a:ext uri="{28A0092B-C50C-407E-A947-70E740481C1C}">
+                <a14:useLocalDpi xmlns:a14="http://schemas.microsoft.com/office/drawing/2010/main" val="0"/>
+              </a:ext>
+            </a:extLst>
+          </a:blip>
+          <a:stretch>
+            <a:fillRect/>
+          </a:stretch>
+        </p:blipFill>
+        <p:spPr>
+          <a:xfrm>
+            <a:off x="3872136" y="1072635"/>
+            <a:ext cx="1943497" cy="1943497"/>
+          </a:xfrm>
+          <a:prstGeom prst="rect">
+            <a:avLst/>
+          </a:prstGeom>
+        </p:spPr>
+      </p:pic>
+      <p:pic>
+        <p:nvPicPr>
+          <p:cNvPr id="10" name="Image 9"/>
+          <p:cNvPicPr>
+            <a:picLocks noChangeAspect="1"/>
+          </p:cNvPicPr>
+          <p:nvPr/>
+        </p:nvPicPr>
+        <p:blipFill>
+          <a:blip r:embed="rId3">
+            <a:extLst>
+              <a:ext uri="{28A0092B-C50C-407E-A947-70E740481C1C}">
+                <a14:useLocalDpi xmlns:a14="http://schemas.microsoft.com/office/drawing/2010/main" val="0"/>
+              </a:ext>
+            </a:extLst>
+          </a:blip>
+          <a:stretch>
+            <a:fillRect/>
+          </a:stretch>
+        </p:blipFill>
+        <p:spPr>
+          <a:xfrm>
+            <a:off x="5370268" y="1004844"/>
+            <a:ext cx="4022576" cy="4022576"/>
+          </a:xfrm>
+          <a:prstGeom prst="rect">
+            <a:avLst/>
+          </a:prstGeom>
+        </p:spPr>
+      </p:pic>
       <p:sp>
         <p:nvSpPr>
           <p:cNvPr id="2" name="Titre 1"/>
@@ -5929,34 +6194,52 @@
           <a:bodyPr/>
           <a:lstStyle/>
           <a:p>
-            <a:r>
-              <a:rPr lang="fr-FR" dirty="0"/>
+            <a:pPr algn="ctr"/>
+            <a:r>
+              <a:rPr lang="fr-FR" i="1" dirty="0"/>
               <a:t>TECHNICALS </a:t>
             </a:r>
             <a:r>
-              <a:rPr lang="fr-FR" dirty="0" smtClean="0"/>
+              <a:rPr lang="fr-FR" i="1" dirty="0" smtClean="0"/>
               <a:t>CHOICES</a:t>
             </a:r>
+            <a:endParaRPr lang="fr-FR" i="1" dirty="0"/>
+          </a:p>
+        </p:txBody>
+      </p:sp>
+      <p:sp>
+        <p:nvSpPr>
+          <p:cNvPr id="3" name="Espace réservé du contenu 2"/>
+          <p:cNvSpPr>
+            <a:spLocks noGrp="1"/>
+          </p:cNvSpPr>
+          <p:nvPr>
+            <p:ph idx="1"/>
+          </p:nvPr>
+        </p:nvSpPr>
+        <p:spPr/>
+        <p:txBody>
+          <a:bodyPr/>
+          <a:lstStyle/>
+          <a:p>
+            <a:pPr marL="285750" indent="-285750">
+              <a:buFont typeface="Arial" panose="020B0604020202020204" pitchFamily="34" charset="0"/>
+              <a:buChar char="•"/>
+            </a:pPr>
+            <a:endParaRPr lang="fr-FR" dirty="0" smtClean="0"/>
+          </a:p>
+          <a:p>
+            <a:pPr marL="285750" indent="-285750">
+              <a:buFont typeface="Arial" panose="020B0604020202020204" pitchFamily="34" charset="0"/>
+              <a:buChar char="•"/>
+            </a:pPr>
             <a:endParaRPr lang="fr-FR" dirty="0"/>
           </a:p>
-        </p:txBody>
-      </p:sp>
-      <p:sp>
-        <p:nvSpPr>
-          <p:cNvPr id="3" name="Espace réservé du contenu 2"/>
-          <p:cNvSpPr>
-            <a:spLocks noGrp="1"/>
-          </p:cNvSpPr>
-          <p:nvPr>
-            <p:ph idx="1"/>
-          </p:nvPr>
-        </p:nvSpPr>
-        <p:spPr/>
-        <p:txBody>
-          <a:bodyPr/>
-          <a:lstStyle/>
-          <a:p>
-            <a:pPr marL="0" indent="0"/>
+          <a:p>
+            <a:pPr marL="285750" indent="-285750">
+              <a:buFont typeface="Arial" panose="020B0604020202020204" pitchFamily="34" charset="0"/>
+              <a:buChar char="•"/>
+            </a:pPr>
             <a:r>
               <a:rPr lang="fr-FR" dirty="0" err="1" smtClean="0"/>
               <a:t>NodeJs</a:t>
@@ -5964,7 +6247,10 @@
             <a:endParaRPr lang="fr-FR" dirty="0" smtClean="0"/>
           </a:p>
           <a:p>
-            <a:pPr marL="0" indent="0"/>
+            <a:pPr marL="285750" indent="-285750">
+              <a:buFont typeface="Arial" panose="020B0604020202020204" pitchFamily="34" charset="0"/>
+              <a:buChar char="•"/>
+            </a:pPr>
             <a:r>
               <a:rPr lang="fr-FR" dirty="0" err="1" smtClean="0"/>
               <a:t>AngularJs</a:t>
@@ -5972,7 +6258,10 @@
             <a:endParaRPr lang="fr-FR" dirty="0" smtClean="0"/>
           </a:p>
           <a:p>
-            <a:pPr marL="0" indent="0"/>
+            <a:pPr marL="285750" indent="-285750">
+              <a:buFont typeface="Arial" panose="020B0604020202020204" pitchFamily="34" charset="0"/>
+              <a:buChar char="•"/>
+            </a:pPr>
             <a:r>
               <a:rPr lang="fr-FR" dirty="0" err="1" smtClean="0"/>
               <a:t>Bootstrap</a:t>
@@ -5980,9 +6269,12 @@
             <a:endParaRPr lang="fr-FR" dirty="0" smtClean="0"/>
           </a:p>
           <a:p>
-            <a:pPr marL="0" indent="0"/>
-            <a:r>
-              <a:rPr lang="fr-FR" smtClean="0"/>
+            <a:pPr marL="285750" indent="-285750">
+              <a:buFont typeface="Arial" panose="020B0604020202020204" pitchFamily="34" charset="0"/>
+              <a:buChar char="•"/>
+            </a:pPr>
+            <a:r>
+              <a:rPr lang="fr-FR" dirty="0" smtClean="0"/>
               <a:t>JSON </a:t>
             </a:r>
             <a:endParaRPr lang="fr-FR" dirty="0"/>
@@ -6035,6 +6327,156 @@
           </a:p>
         </p:txBody>
       </p:sp>
+      <p:pic>
+        <p:nvPicPr>
+          <p:cNvPr id="8" name="Image 7"/>
+          <p:cNvPicPr>
+            <a:picLocks noChangeAspect="1"/>
+          </p:cNvPicPr>
+          <p:nvPr/>
+        </p:nvPicPr>
+        <p:blipFill>
+          <a:blip r:embed="rId4">
+            <a:extLst>
+              <a:ext uri="{28A0092B-C50C-407E-A947-70E740481C1C}">
+                <a14:useLocalDpi xmlns:a14="http://schemas.microsoft.com/office/drawing/2010/main" val="0"/>
+              </a:ext>
+            </a:extLst>
+          </a:blip>
+          <a:stretch>
+            <a:fillRect/>
+          </a:stretch>
+        </p:blipFill>
+        <p:spPr>
+          <a:xfrm>
+            <a:off x="3062567" y="1860914"/>
+            <a:ext cx="4620873" cy="2310436"/>
+          </a:xfrm>
+          <a:prstGeom prst="rect">
+            <a:avLst/>
+          </a:prstGeom>
+        </p:spPr>
+      </p:pic>
+      <p:pic>
+        <p:nvPicPr>
+          <p:cNvPr id="9" name="Image 8"/>
+          <p:cNvPicPr>
+            <a:picLocks noChangeAspect="1"/>
+          </p:cNvPicPr>
+          <p:nvPr/>
+        </p:nvPicPr>
+        <p:blipFill>
+          <a:blip r:embed="rId5">
+            <a:extLst>
+              <a:ext uri="{28A0092B-C50C-407E-A947-70E740481C1C}">
+                <a14:useLocalDpi xmlns:a14="http://schemas.microsoft.com/office/drawing/2010/main" val="0"/>
+              </a:ext>
+            </a:extLst>
+          </a:blip>
+          <a:stretch>
+            <a:fillRect/>
+          </a:stretch>
+        </p:blipFill>
+        <p:spPr>
+          <a:xfrm>
+            <a:off x="2380034" y="1325906"/>
+            <a:ext cx="1359595" cy="1359595"/>
+          </a:xfrm>
+          <a:prstGeom prst="rect">
+            <a:avLst/>
+          </a:prstGeom>
+        </p:spPr>
+      </p:pic>
+      <p:pic>
+        <p:nvPicPr>
+          <p:cNvPr id="12" name="Image 11"/>
+          <p:cNvPicPr>
+            <a:picLocks noChangeAspect="1"/>
+          </p:cNvPicPr>
+          <p:nvPr/>
+        </p:nvPicPr>
+        <p:blipFill>
+          <a:blip r:embed="rId6" cstate="print">
+            <a:extLst>
+              <a:ext uri="{28A0092B-C50C-407E-A947-70E740481C1C}">
+                <a14:useLocalDpi xmlns:a14="http://schemas.microsoft.com/office/drawing/2010/main" val="0"/>
+              </a:ext>
+            </a:extLst>
+          </a:blip>
+          <a:stretch>
+            <a:fillRect/>
+          </a:stretch>
+        </p:blipFill>
+        <p:spPr>
+          <a:xfrm>
+            <a:off x="3995936" y="3716883"/>
+            <a:ext cx="1480443" cy="1110332"/>
+          </a:xfrm>
+          <a:prstGeom prst="rect">
+            <a:avLst/>
+          </a:prstGeom>
+        </p:spPr>
+      </p:pic>
+      <p:pic>
+        <p:nvPicPr>
+          <p:cNvPr id="13" name="Image 12"/>
+          <p:cNvPicPr>
+            <a:picLocks noChangeAspect="1"/>
+          </p:cNvPicPr>
+          <p:nvPr/>
+        </p:nvPicPr>
+        <p:blipFill>
+          <a:blip r:embed="rId7">
+            <a:extLst>
+              <a:ext uri="{28A0092B-C50C-407E-A947-70E740481C1C}">
+                <a14:useLocalDpi xmlns:a14="http://schemas.microsoft.com/office/drawing/2010/main" val="0"/>
+              </a:ext>
+            </a:extLst>
+          </a:blip>
+          <a:stretch>
+            <a:fillRect/>
+          </a:stretch>
+        </p:blipFill>
+        <p:spPr>
+          <a:xfrm>
+            <a:off x="1115616" y="3716883"/>
+            <a:ext cx="1768795" cy="1278324"/>
+          </a:xfrm>
+          <a:prstGeom prst="rect">
+            <a:avLst/>
+          </a:prstGeom>
+        </p:spPr>
+      </p:pic>
+      <p:pic>
+        <p:nvPicPr>
+          <p:cNvPr id="7" name="Image 6"/>
+          <p:cNvPicPr>
+            <a:picLocks noChangeAspect="1"/>
+          </p:cNvPicPr>
+          <p:nvPr/>
+        </p:nvPicPr>
+        <p:blipFill>
+          <a:blip r:embed="rId8">
+            <a:extLst>
+              <a:ext uri="{28A0092B-C50C-407E-A947-70E740481C1C}">
+                <a14:useLocalDpi xmlns:a14="http://schemas.microsoft.com/office/drawing/2010/main" val="0"/>
+              </a:ext>
+            </a:extLst>
+          </a:blip>
+          <a:stretch>
+            <a:fillRect/>
+          </a:stretch>
+        </p:blipFill>
+        <p:spPr>
+          <a:xfrm>
+            <a:off x="452665" y="3374025"/>
+            <a:ext cx="2431746" cy="685715"/>
+          </a:xfrm>
+          <a:prstGeom prst="rect">
+            <a:avLst/>
+          </a:prstGeom>
+        </p:spPr>
+      </p:pic>
     </p:spTree>
     <p:extLst>
       <p:ext uri="{BB962C8B-B14F-4D97-AF65-F5344CB8AC3E}">
@@ -6082,16 +6524,22 @@
             <p:ph type="title"/>
           </p:nvPr>
         </p:nvSpPr>
-        <p:spPr/>
+        <p:spPr>
+          <a:xfrm>
+            <a:off x="755576" y="332656"/>
+            <a:ext cx="7520940" cy="548640"/>
+          </a:xfrm>
+        </p:spPr>
         <p:txBody>
           <a:bodyPr/>
           <a:lstStyle/>
           <a:p>
-            <a:r>
-              <a:rPr lang="fr-FR" dirty="0" smtClean="0"/>
+            <a:pPr algn="ctr"/>
+            <a:r>
+              <a:rPr lang="fr-FR" i="1" dirty="0" smtClean="0"/>
               <a:t>DEMO</a:t>
             </a:r>
-            <a:endParaRPr lang="fr-FR" dirty="0"/>
+            <a:endParaRPr lang="fr-FR" i="1" dirty="0"/>
           </a:p>
         </p:txBody>
       </p:sp>
@@ -6105,71 +6553,129 @@
             <p:ph idx="1"/>
           </p:nvPr>
         </p:nvSpPr>
-        <p:spPr/>
-        <p:txBody>
-          <a:bodyPr/>
-          <a:lstStyle/>
-          <a:p>
-            <a:r>
-              <a:rPr lang="fr-FR" dirty="0" smtClean="0"/>
+        <p:spPr>
+          <a:xfrm>
+            <a:off x="755576" y="1124744"/>
+            <a:ext cx="7520940" cy="3579849"/>
+          </a:xfrm>
+        </p:spPr>
+        <p:txBody>
+          <a:bodyPr>
+            <a:normAutofit fontScale="62500" lnSpcReduction="20000"/>
+          </a:bodyPr>
+          <a:lstStyle/>
+          <a:p>
+            <a:r>
+              <a:rPr lang="fr-FR" sz="4200" dirty="0" smtClean="0"/>
               <a:t>3 </a:t>
             </a:r>
             <a:r>
-              <a:rPr lang="fr-FR" dirty="0" err="1" smtClean="0"/>
+              <a:rPr lang="fr-FR" sz="4200" dirty="0" err="1" smtClean="0"/>
               <a:t>exercises</a:t>
             </a:r>
             <a:r>
-              <a:rPr lang="fr-FR" dirty="0" smtClean="0"/>
-              <a:t> :</a:t>
-            </a:r>
-          </a:p>
-          <a:p>
-            <a:pPr>
+              <a:rPr lang="fr-FR" sz="4200" dirty="0" smtClean="0"/>
+              <a:t> </a:t>
+            </a:r>
+            <a:r>
+              <a:rPr lang="fr-FR" sz="4200" dirty="0" smtClean="0"/>
+              <a:t>:</a:t>
+            </a:r>
+          </a:p>
+          <a:p>
+            <a:endParaRPr lang="fr-FR" dirty="0" smtClean="0"/>
+          </a:p>
+          <a:p>
+            <a:pPr marL="571500" indent="-571500">
+              <a:spcBef>
+                <a:spcPts val="0"/>
+              </a:spcBef>
+              <a:buFont typeface="Arial" panose="020B0604020202020204" pitchFamily="34" charset="0"/>
+              <a:buChar char="•"/>
+              <a:defRPr/>
+            </a:pPr>
+            <a:r>
+              <a:rPr lang="en-US" sz="4200" dirty="0"/>
+              <a:t>Step to apply for a job</a:t>
+            </a:r>
+          </a:p>
+          <a:p>
+            <a:pPr marL="571500" indent="-571500" defTabSz="1422400">
+              <a:lnSpc>
+                <a:spcPct val="90000"/>
+              </a:lnSpc>
+              <a:spcBef>
+                <a:spcPct val="0"/>
+              </a:spcBef>
+              <a:spcAft>
+                <a:spcPct val="35000"/>
+              </a:spcAft>
               <a:buFont typeface="Arial" panose="020B0604020202020204" pitchFamily="34" charset="0"/>
               <a:buChar char="•"/>
             </a:pPr>
             <a:r>
-              <a:rPr lang="fr-FR" dirty="0" err="1" smtClean="0"/>
+              <a:rPr lang="fr-FR" sz="4200" dirty="0" err="1"/>
               <a:t>Toeic</a:t>
             </a:r>
             <a:r>
-              <a:rPr lang="fr-FR" dirty="0" smtClean="0"/>
+              <a:rPr lang="fr-FR" sz="4200" dirty="0"/>
               <a:t> </a:t>
             </a:r>
-            <a:endParaRPr lang="fr-FR" dirty="0"/>
-          </a:p>
-          <a:p>
-            <a:pPr>
+          </a:p>
+          <a:p>
+            <a:pPr marL="571500" indent="-571500" defTabSz="1422400">
+              <a:lnSpc>
+                <a:spcPct val="90000"/>
+              </a:lnSpc>
+              <a:spcBef>
+                <a:spcPct val="0"/>
+              </a:spcBef>
+              <a:spcAft>
+                <a:spcPct val="35000"/>
+              </a:spcAft>
               <a:buFont typeface="Arial" panose="020B0604020202020204" pitchFamily="34" charset="0"/>
               <a:buChar char="•"/>
             </a:pPr>
             <a:r>
-              <a:rPr lang="en-US" dirty="0"/>
-              <a:t>Step to apply for a </a:t>
-            </a:r>
-            <a:r>
-              <a:rPr lang="en-US" dirty="0" smtClean="0"/>
-              <a:t>job</a:t>
-            </a:r>
-          </a:p>
-          <a:p>
-            <a:pPr>
-              <a:buFont typeface="Arial" panose="020B0604020202020204" pitchFamily="34" charset="0"/>
-              <a:buChar char="•"/>
+              <a:rPr lang="en-US" sz="4200" dirty="0"/>
+              <a:t>The structure of a Resume </a:t>
+            </a:r>
+          </a:p>
+          <a:p>
+            <a:pPr defTabSz="1422400">
+              <a:lnSpc>
+                <a:spcPct val="90000"/>
+              </a:lnSpc>
+              <a:spcBef>
+                <a:spcPct val="0"/>
+              </a:spcBef>
+              <a:spcAft>
+                <a:spcPct val="35000"/>
+              </a:spcAft>
             </a:pPr>
-            <a:r>
-              <a:rPr lang="en-US" dirty="0"/>
-              <a:t>The structure of a Resume </a:t>
-            </a:r>
-          </a:p>
-          <a:p>
-            <a:r>
-              <a:rPr lang="fr-FR" dirty="0" err="1" smtClean="0">
+            <a:endParaRPr lang="fr-FR" sz="9600" dirty="0"/>
+          </a:p>
+          <a:p>
+            <a:pPr algn="ctr"/>
+            <a:r>
+              <a:rPr lang="fr-FR" sz="9600" dirty="0" err="1" smtClean="0">
+                <a:solidFill>
+                  <a:schemeClr val="accent3">
+                    <a:lumMod val="60000"/>
+                    <a:lumOff val="40000"/>
+                  </a:schemeClr>
+                </a:solidFill>
                 <a:hlinkClick r:id="rId2"/>
               </a:rPr>
               <a:t>iLearn</a:t>
             </a:r>
-            <a:endParaRPr lang="fr-FR" dirty="0">
+            <a:endParaRPr lang="fr-FR" sz="9600" dirty="0">
+              <a:solidFill>
+                <a:schemeClr val="accent3">
+                  <a:lumMod val="60000"/>
+                  <a:lumOff val="40000"/>
+                </a:schemeClr>
+              </a:solidFill>
               <a:hlinkClick r:id="rId2"/>
             </a:endParaRPr>
           </a:p>
@@ -6273,15 +6779,16 @@
           <a:bodyPr/>
           <a:lstStyle/>
           <a:p>
-            <a:r>
-              <a:rPr lang="fr-FR" dirty="0"/>
-              <a:t>OTHER </a:t>
-            </a:r>
-            <a:r>
-              <a:rPr lang="fr-FR" dirty="0" smtClean="0"/>
-              <a:t>FONCTIONALITY</a:t>
-            </a:r>
-            <a:endParaRPr lang="fr-FR" dirty="0"/>
+            <a:pPr algn="ctr"/>
+            <a:r>
+              <a:rPr lang="fr-FR" i="1" dirty="0" smtClean="0"/>
+              <a:t>Application </a:t>
+            </a:r>
+            <a:r>
+              <a:rPr lang="fr-FR" i="1" dirty="0" err="1" smtClean="0"/>
+              <a:t>Improvements</a:t>
+            </a:r>
+            <a:endParaRPr lang="fr-FR" i="1" dirty="0"/>
           </a:p>
         </p:txBody>
       </p:sp>
@@ -6300,17 +6807,17 @@
           <a:bodyPr/>
           <a:lstStyle/>
           <a:p>
+            <a:pPr>
+              <a:buFont typeface="Arial" panose="020B0604020202020204" pitchFamily="34" charset="0"/>
+              <a:buChar char="•"/>
+            </a:pPr>
             <a:r>
               <a:rPr lang="fr-FR" dirty="0" err="1" smtClean="0"/>
               <a:t>Raspberry</a:t>
             </a:r>
             <a:r>
               <a:rPr lang="fr-FR" dirty="0" smtClean="0"/>
-              <a:t>  PI</a:t>
-            </a:r>
-            <a:r>
-              <a:rPr lang="fr-FR" dirty="0" smtClean="0"/>
-              <a:t>( </a:t>
+              <a:t>  PI( </a:t>
             </a:r>
             <a:r>
               <a:rPr lang="fr-FR" dirty="0" err="1" smtClean="0"/>
@@ -6322,6 +6829,10 @@
             </a:r>
           </a:p>
           <a:p>
+            <a:pPr>
+              <a:buFont typeface="Arial" panose="020B0604020202020204" pitchFamily="34" charset="0"/>
+              <a:buChar char="•"/>
+            </a:pPr>
             <a:r>
               <a:rPr lang="fr-FR" dirty="0" err="1" smtClean="0"/>
               <a:t>Send</a:t>
@@ -6340,12 +6851,20 @@
             </a:r>
           </a:p>
           <a:p>
+            <a:pPr>
+              <a:buFont typeface="Arial" panose="020B0604020202020204" pitchFamily="34" charset="0"/>
+              <a:buChar char="•"/>
+            </a:pPr>
             <a:r>
               <a:rPr lang="fr-FR" dirty="0" smtClean="0"/>
               <a:t>Exchange files server</a:t>
             </a:r>
           </a:p>
           <a:p>
+            <a:pPr>
+              <a:buFont typeface="Arial" panose="020B0604020202020204" pitchFamily="34" charset="0"/>
+              <a:buChar char="•"/>
+            </a:pPr>
             <a:r>
               <a:rPr lang="fr-FR" dirty="0" err="1" smtClean="0"/>
               <a:t>Possibility</a:t>
@@ -6364,6 +6883,10 @@
             </a:r>
           </a:p>
           <a:p>
+            <a:pPr>
+              <a:buFont typeface="Arial" panose="020B0604020202020204" pitchFamily="34" charset="0"/>
+              <a:buChar char="•"/>
+            </a:pPr>
             <a:r>
               <a:rPr lang="fr-FR" dirty="0" err="1" smtClean="0"/>
               <a:t>Account</a:t>
@@ -6372,21 +6895,6 @@
               <a:rPr lang="fr-FR" dirty="0" smtClean="0"/>
               <a:t> management</a:t>
             </a:r>
-          </a:p>
-          <a:p>
-            <a:r>
-              <a:rPr lang="fr-FR" dirty="0"/>
-              <a:t>	</a:t>
-            </a:r>
-            <a:r>
-              <a:rPr lang="fr-FR" dirty="0" smtClean="0"/>
-              <a:t>Dashboard for the </a:t>
-            </a:r>
-            <a:r>
-              <a:rPr lang="fr-FR" dirty="0" err="1" smtClean="0"/>
-              <a:t>teacher</a:t>
-            </a:r>
-            <a:endParaRPr lang="fr-FR" dirty="0" smtClean="0"/>
           </a:p>
           <a:p>
             <a:endParaRPr lang="fr-FR" dirty="0" smtClean="0"/>
@@ -6439,6 +6947,66 @@
           </a:p>
         </p:txBody>
       </p:sp>
+      <p:pic>
+        <p:nvPicPr>
+          <p:cNvPr id="6" name="Image 5"/>
+          <p:cNvPicPr>
+            <a:picLocks noChangeAspect="1"/>
+          </p:cNvPicPr>
+          <p:nvPr/>
+        </p:nvPicPr>
+        <p:blipFill>
+          <a:blip r:embed="rId2">
+            <a:extLst>
+              <a:ext uri="{28A0092B-C50C-407E-A947-70E740481C1C}">
+                <a14:useLocalDpi xmlns:a14="http://schemas.microsoft.com/office/drawing/2010/main" val="0"/>
+              </a:ext>
+            </a:extLst>
+          </a:blip>
+          <a:stretch>
+            <a:fillRect/>
+          </a:stretch>
+        </p:blipFill>
+        <p:spPr>
+          <a:xfrm>
+            <a:off x="5076056" y="1272809"/>
+            <a:ext cx="3543966" cy="3156855"/>
+          </a:xfrm>
+          <a:prstGeom prst="rect">
+            <a:avLst/>
+          </a:prstGeom>
+        </p:spPr>
+      </p:pic>
+      <p:pic>
+        <p:nvPicPr>
+          <p:cNvPr id="7" name="Image 6"/>
+          <p:cNvPicPr>
+            <a:picLocks noChangeAspect="1"/>
+          </p:cNvPicPr>
+          <p:nvPr/>
+        </p:nvPicPr>
+        <p:blipFill>
+          <a:blip r:embed="rId3">
+            <a:extLst>
+              <a:ext uri="{28A0092B-C50C-407E-A947-70E740481C1C}">
+                <a14:useLocalDpi xmlns:a14="http://schemas.microsoft.com/office/drawing/2010/main" val="0"/>
+              </a:ext>
+            </a:extLst>
+          </a:blip>
+          <a:stretch>
+            <a:fillRect/>
+          </a:stretch>
+        </p:blipFill>
+        <p:spPr>
+          <a:xfrm>
+            <a:off x="1259632" y="3068960"/>
+            <a:ext cx="2381250" cy="1866900"/>
+          </a:xfrm>
+          <a:prstGeom prst="rect">
+            <a:avLst/>
+          </a:prstGeom>
+        </p:spPr>
+      </p:pic>
     </p:spTree>
     <p:extLst>
       <p:ext uri="{BB962C8B-B14F-4D97-AF65-F5344CB8AC3E}">
@@ -6491,11 +7059,12 @@
           <a:bodyPr/>
           <a:lstStyle/>
           <a:p>
-            <a:r>
-              <a:rPr lang="fr-FR" dirty="0" smtClean="0"/>
+            <a:pPr algn="ctr"/>
+            <a:r>
+              <a:rPr lang="fr-FR" i="1" dirty="0" smtClean="0"/>
               <a:t>CONCLUSION</a:t>
             </a:r>
-            <a:endParaRPr lang="fr-FR" dirty="0"/>
+            <a:endParaRPr lang="fr-FR" i="1" dirty="0"/>
           </a:p>
         </p:txBody>
       </p:sp>
@@ -6539,6 +7108,21 @@
             <a:r>
               <a:rPr lang="fr-FR" dirty="0" smtClean="0"/>
               <a:t> free time </a:t>
+            </a:r>
+            <a:endParaRPr lang="fr-FR" dirty="0" smtClean="0"/>
+          </a:p>
+          <a:p>
+            <a:r>
+              <a:rPr lang="fr-FR" dirty="0" err="1" smtClean="0"/>
+              <a:t>Increase</a:t>
+            </a:r>
+            <a:r>
+              <a:rPr lang="fr-FR" dirty="0" smtClean="0"/>
+              <a:t> IT </a:t>
+            </a:r>
+            <a:r>
+              <a:rPr lang="fr-FR" smtClean="0"/>
+              <a:t>skills</a:t>
             </a:r>
             <a:endParaRPr lang="fr-FR" dirty="0"/>
           </a:p>
@@ -6642,65 +7226,44 @@
           <a:bodyPr/>
           <a:lstStyle/>
           <a:p>
+            <a:pPr algn="ctr"/>
+            <a:r>
+              <a:rPr lang="fr-FR" i="1" dirty="0" smtClean="0"/>
+              <a:t>Questions ?</a:t>
+            </a:r>
+            <a:endParaRPr lang="fr-FR" i="1" dirty="0"/>
+          </a:p>
+        </p:txBody>
+      </p:sp>
+      <p:sp>
+        <p:nvSpPr>
+          <p:cNvPr id="3" name="Espace réservé du contenu 2"/>
+          <p:cNvSpPr>
+            <a:spLocks noGrp="1"/>
+          </p:cNvSpPr>
+          <p:nvPr>
+            <p:ph idx="1"/>
+          </p:nvPr>
+        </p:nvSpPr>
+        <p:spPr/>
+        <p:txBody>
+          <a:bodyPr>
+            <a:normAutofit/>
+          </a:bodyPr>
+          <a:lstStyle/>
+          <a:p>
+            <a:endParaRPr lang="fr-FR" dirty="0" smtClean="0"/>
+          </a:p>
+          <a:p>
+            <a:endParaRPr lang="fr-FR" dirty="0" smtClean="0"/>
+          </a:p>
+          <a:p>
             <a:endParaRPr lang="fr-FR" dirty="0"/>
           </a:p>
-        </p:txBody>
-      </p:sp>
-      <p:sp>
-        <p:nvSpPr>
-          <p:cNvPr id="3" name="Espace réservé du contenu 2"/>
-          <p:cNvSpPr>
-            <a:spLocks noGrp="1"/>
-          </p:cNvSpPr>
-          <p:nvPr>
-            <p:ph idx="1"/>
-          </p:nvPr>
-        </p:nvSpPr>
-        <p:spPr/>
-        <p:txBody>
-          <a:bodyPr/>
-          <a:lstStyle/>
-          <a:p>
-            <a:r>
-              <a:rPr lang="fr-FR" dirty="0" err="1" smtClean="0"/>
-              <a:t>Thank</a:t>
-            </a:r>
-            <a:r>
-              <a:rPr lang="fr-FR" dirty="0" smtClean="0"/>
-              <a:t>  for </a:t>
-            </a:r>
-            <a:r>
-              <a:rPr lang="fr-FR" dirty="0" err="1" smtClean="0"/>
-              <a:t>your</a:t>
-            </a:r>
-            <a:r>
-              <a:rPr lang="fr-FR" dirty="0" smtClean="0"/>
-              <a:t> attention , have  </a:t>
-            </a:r>
-            <a:r>
-              <a:rPr lang="fr-FR" dirty="0" err="1" smtClean="0"/>
-              <a:t>you</a:t>
-            </a:r>
-            <a:r>
-              <a:rPr lang="fr-FR" dirty="0" smtClean="0"/>
-              <a:t> </a:t>
-            </a:r>
-            <a:r>
-              <a:rPr lang="fr-FR" dirty="0" err="1" smtClean="0"/>
-              <a:t>got</a:t>
-            </a:r>
-            <a:r>
-              <a:rPr lang="fr-FR" dirty="0" smtClean="0"/>
-              <a:t> </a:t>
-            </a:r>
-            <a:r>
-              <a:rPr lang="fr-FR" dirty="0" err="1" smtClean="0"/>
-              <a:t>some</a:t>
-            </a:r>
-            <a:r>
-              <a:rPr lang="fr-FR" dirty="0" smtClean="0"/>
-              <a:t> question ? </a:t>
-            </a:r>
+          <a:p>
+            <a:endParaRPr lang="fr-FR" dirty="0" smtClean="0"/>
+          </a:p>
+          <a:p>
             <a:endParaRPr lang="fr-FR" dirty="0"/>
           </a:p>
         </p:txBody>
@@ -6751,6 +7314,36 @@
           </a:p>
         </p:txBody>
       </p:sp>
+      <p:pic>
+        <p:nvPicPr>
+          <p:cNvPr id="8" name="Image 7"/>
+          <p:cNvPicPr>
+            <a:picLocks noChangeAspect="1"/>
+          </p:cNvPicPr>
+          <p:nvPr/>
+        </p:nvPicPr>
+        <p:blipFill>
+          <a:blip r:embed="rId2">
+            <a:extLst>
+              <a:ext uri="{28A0092B-C50C-407E-A947-70E740481C1C}">
+                <a14:useLocalDpi xmlns:a14="http://schemas.microsoft.com/office/drawing/2010/main" val="0"/>
+              </a:ext>
+            </a:extLst>
+          </a:blip>
+          <a:stretch>
+            <a:fillRect/>
+          </a:stretch>
+        </p:blipFill>
+        <p:spPr>
+          <a:xfrm>
+            <a:off x="1979712" y="980728"/>
+            <a:ext cx="3960440" cy="3960440"/>
+          </a:xfrm>
+          <a:prstGeom prst="rect">
+            <a:avLst/>
+          </a:prstGeom>
+        </p:spPr>
+      </p:pic>
     </p:spTree>
     <p:extLst>
       <p:ext uri="{BB962C8B-B14F-4D97-AF65-F5344CB8AC3E}">

--- a/English_presentation_project.pptx
+++ b/English_presentation_project.pptx
@@ -2,7 +2,7 @@
 <file path=ppt/presentation.xml><?xml version="1.0" encoding="utf-8"?>
 <p:presentation xmlns:a="http://schemas.openxmlformats.org/drawingml/2006/main" xmlns:r="http://schemas.openxmlformats.org/officeDocument/2006/relationships" xmlns:p="http://schemas.openxmlformats.org/presentationml/2006/main" saveSubsetFonts="1">
   <p:sldMasterIdLst>
-    <p:sldMasterId id="2147483660" r:id="rId1"/>
+    <p:sldMasterId id="2147483684" r:id="rId1"/>
   </p:sldMasterIdLst>
   <p:notesMasterIdLst>
     <p:notesMasterId r:id="rId11"/>
@@ -200,7 +200,7 @@
           <a:p>
             <a:fld id="{277B8795-32D2-4350-B5B7-CC809D0620EC}" type="datetimeFigureOut">
               <a:rPr lang="fr-FR" smtClean="0"/>
-              <a:t>11/05/2015</a:t>
+              <a:t>17/05/2015</a:t>
             </a:fld>
             <a:endParaRPr lang="fr-FR"/>
           </a:p>
@@ -466,6 +466,90 @@
     </a:lvl9pPr>
   </p:notesStyle>
 </p:notesMaster>
+</file>
+
+<file path=ppt/notesSlides/notesSlide1.xml><?xml version="1.0" encoding="utf-8"?>
+<p:notes xmlns:a="http://schemas.openxmlformats.org/drawingml/2006/main" xmlns:r="http://schemas.openxmlformats.org/officeDocument/2006/relationships" xmlns:p="http://schemas.openxmlformats.org/presentationml/2006/main">
+  <p:cSld>
+    <p:spTree>
+      <p:nvGrpSpPr>
+        <p:cNvPr id="1" name=""/>
+        <p:cNvGrpSpPr/>
+        <p:nvPr/>
+      </p:nvGrpSpPr>
+      <p:grpSpPr>
+        <a:xfrm>
+          <a:off x="0" y="0"/>
+          <a:ext cx="0" cy="0"/>
+          <a:chOff x="0" y="0"/>
+          <a:chExt cx="0" cy="0"/>
+        </a:xfrm>
+      </p:grpSpPr>
+      <p:sp>
+        <p:nvSpPr>
+          <p:cNvPr id="2" name="Espace réservé de l'image des diapositives 1"/>
+          <p:cNvSpPr>
+            <a:spLocks noGrp="1" noRot="1" noChangeAspect="1"/>
+          </p:cNvSpPr>
+          <p:nvPr>
+            <p:ph type="sldImg"/>
+          </p:nvPr>
+        </p:nvSpPr>
+        <p:spPr/>
+      </p:sp>
+      <p:sp>
+        <p:nvSpPr>
+          <p:cNvPr id="3" name="Espace réservé des commentaires 2"/>
+          <p:cNvSpPr>
+            <a:spLocks noGrp="1"/>
+          </p:cNvSpPr>
+          <p:nvPr>
+            <p:ph type="body" idx="1"/>
+          </p:nvPr>
+        </p:nvSpPr>
+        <p:spPr/>
+        <p:txBody>
+          <a:bodyPr/>
+          <a:lstStyle/>
+          <a:p>
+            <a:endParaRPr lang="fr-FR" dirty="0"/>
+          </a:p>
+        </p:txBody>
+      </p:sp>
+      <p:sp>
+        <p:nvSpPr>
+          <p:cNvPr id="4" name="Espace réservé du numéro de diapositive 3"/>
+          <p:cNvSpPr>
+            <a:spLocks noGrp="1"/>
+          </p:cNvSpPr>
+          <p:nvPr>
+            <p:ph type="sldNum" sz="quarter" idx="10"/>
+          </p:nvPr>
+        </p:nvSpPr>
+        <p:spPr/>
+        <p:txBody>
+          <a:bodyPr/>
+          <a:lstStyle/>
+          <a:p>
+            <a:fld id="{A224EA67-1EB1-43DE-80A8-E913CE7BD15C}" type="slidenum">
+              <a:rPr lang="fr-FR" smtClean="0"/>
+              <a:t>2</a:t>
+            </a:fld>
+            <a:endParaRPr lang="fr-FR"/>
+          </a:p>
+        </p:txBody>
+      </p:sp>
+    </p:spTree>
+    <p:extLst>
+      <p:ext uri="{BB962C8B-B14F-4D97-AF65-F5344CB8AC3E}">
+        <p14:creationId xmlns:p14="http://schemas.microsoft.com/office/powerpoint/2010/main" val="2486506238"/>
+      </p:ext>
+    </p:extLst>
+  </p:cSld>
+  <p:clrMapOvr>
+    <a:masterClrMapping/>
+  </p:clrMapOvr>
+</p:notes>
 </file>
 
 <file path=ppt/slideLayouts/slideLayout1.xml><?xml version="1.0" encoding="utf-8"?>
@@ -936,7 +1020,7 @@
           <a:p>
             <a:fld id="{A0D7E018-02D9-4DAD-80B8-924EB36D050B}" type="datetime1">
               <a:rPr lang="fr-FR" smtClean="0"/>
-              <a:t>11/05/2015</a:t>
+              <a:t>17/05/2015</a:t>
             </a:fld>
             <a:endParaRPr lang="fr-BE"/>
           </a:p>
@@ -1105,7 +1189,7 @@
           <a:p>
             <a:fld id="{9F6FB75E-8533-4668-B722-CFDD47862D32}" type="datetime1">
               <a:rPr lang="fr-FR" smtClean="0"/>
-              <a:t>11/05/2015</a:t>
+              <a:t>17/05/2015</a:t>
             </a:fld>
             <a:endParaRPr lang="fr-BE"/>
           </a:p>
@@ -1284,7 +1368,7 @@
           <a:p>
             <a:fld id="{D50E7130-BA00-42E0-A36E-D3516B15E634}" type="datetime1">
               <a:rPr lang="fr-FR" smtClean="0"/>
-              <a:t>11/05/2015</a:t>
+              <a:t>17/05/2015</a:t>
             </a:fld>
             <a:endParaRPr lang="fr-BE"/>
           </a:p>
@@ -1453,7 +1537,7 @@
           <a:p>
             <a:fld id="{AC83CC45-4E20-448B-A0CE-0C81DAC02ACB}" type="datetime1">
               <a:rPr lang="fr-FR" smtClean="0"/>
-              <a:t>11/05/2015</a:t>
+              <a:t>17/05/2015</a:t>
             </a:fld>
             <a:endParaRPr lang="fr-BE"/>
           </a:p>
@@ -2010,7 +2094,7 @@
           <a:p>
             <a:fld id="{501D6E06-5128-4649-884B-F590739DAF27}" type="datetime1">
               <a:rPr lang="fr-FR" smtClean="0"/>
-              <a:t>11/05/2015</a:t>
+              <a:t>17/05/2015</a:t>
             </a:fld>
             <a:endParaRPr lang="fr-BE"/>
           </a:p>
@@ -2274,7 +2358,7 @@
           <a:p>
             <a:fld id="{610AEE55-03D3-43EF-BBBA-079B017D9727}" type="datetime1">
               <a:rPr lang="fr-FR" smtClean="0"/>
-              <a:t>11/05/2015</a:t>
+              <a:t>17/05/2015</a:t>
             </a:fld>
             <a:endParaRPr lang="fr-BE"/>
           </a:p>
@@ -2766,7 +2850,7 @@
           <a:p>
             <a:fld id="{C42C1D94-336C-4D4D-914C-5479E7F3B2F5}" type="datetime1">
               <a:rPr lang="fr-FR" smtClean="0"/>
-              <a:t>11/05/2015</a:t>
+              <a:t>17/05/2015</a:t>
             </a:fld>
             <a:endParaRPr lang="fr-BE"/>
           </a:p>
@@ -2883,7 +2967,7 @@
           <a:p>
             <a:fld id="{51367782-4079-4B38-AE07-6062481941F0}" type="datetime1">
               <a:rPr lang="fr-FR" smtClean="0"/>
-              <a:t>11/05/2015</a:t>
+              <a:t>17/05/2015</a:t>
             </a:fld>
             <a:endParaRPr lang="fr-BE"/>
           </a:p>
@@ -2977,7 +3061,7 @@
           <a:p>
             <a:fld id="{F39EA951-1B0F-46D5-8D02-427825F3E3BA}" type="datetime1">
               <a:rPr lang="fr-FR" smtClean="0"/>
-              <a:t>11/05/2015</a:t>
+              <a:t>17/05/2015</a:t>
             </a:fld>
             <a:endParaRPr lang="fr-BE"/>
           </a:p>
@@ -3411,7 +3495,7 @@
           <a:p>
             <a:fld id="{5789926F-ECC9-44C8-995E-A5FAD6842FF6}" type="datetime1">
               <a:rPr lang="fr-FR" smtClean="0"/>
-              <a:t>11/05/2015</a:t>
+              <a:t>17/05/2015</a:t>
             </a:fld>
             <a:endParaRPr lang="fr-BE"/>
           </a:p>
@@ -3948,7 +4032,7 @@
           <a:p>
             <a:fld id="{52F5DE1F-F086-4130-8CEF-67AB23B46546}" type="datetime1">
               <a:rPr lang="fr-FR" smtClean="0"/>
-              <a:t>11/05/2015</a:t>
+              <a:t>17/05/2015</a:t>
             </a:fld>
             <a:endParaRPr lang="fr-BE"/>
           </a:p>
@@ -4792,7 +4876,7 @@
           <a:p>
             <a:fld id="{4C5D74A8-E8E4-40F5-89FA-163752DC0B7F}" type="datetime1">
               <a:rPr lang="fr-FR" smtClean="0"/>
-              <a:t>11/05/2015</a:t>
+              <a:t>17/05/2015</a:t>
             </a:fld>
             <a:endParaRPr lang="fr-BE"/>
           </a:p>
@@ -4887,17 +4971,17 @@
   </p:cSld>
   <p:clrMap bg1="lt1" tx1="dk1" bg2="lt2" tx2="dk2" accent1="accent1" accent2="accent2" accent3="accent3" accent4="accent4" accent5="accent5" accent6="accent6" hlink="hlink" folHlink="folHlink"/>
   <p:sldLayoutIdLst>
-    <p:sldLayoutId id="2147483661" r:id="rId1"/>
-    <p:sldLayoutId id="2147483662" r:id="rId2"/>
-    <p:sldLayoutId id="2147483663" r:id="rId3"/>
-    <p:sldLayoutId id="2147483664" r:id="rId4"/>
-    <p:sldLayoutId id="2147483665" r:id="rId5"/>
-    <p:sldLayoutId id="2147483666" r:id="rId6"/>
-    <p:sldLayoutId id="2147483667" r:id="rId7"/>
-    <p:sldLayoutId id="2147483668" r:id="rId8"/>
-    <p:sldLayoutId id="2147483669" r:id="rId9"/>
-    <p:sldLayoutId id="2147483670" r:id="rId10"/>
-    <p:sldLayoutId id="2147483671" r:id="rId11"/>
+    <p:sldLayoutId id="2147483685" r:id="rId1"/>
+    <p:sldLayoutId id="2147483686" r:id="rId2"/>
+    <p:sldLayoutId id="2147483687" r:id="rId3"/>
+    <p:sldLayoutId id="2147483688" r:id="rId4"/>
+    <p:sldLayoutId id="2147483689" r:id="rId5"/>
+    <p:sldLayoutId id="2147483690" r:id="rId6"/>
+    <p:sldLayoutId id="2147483691" r:id="rId7"/>
+    <p:sldLayoutId id="2147483692" r:id="rId8"/>
+    <p:sldLayoutId id="2147483693" r:id="rId9"/>
+    <p:sldLayoutId id="2147483694" r:id="rId10"/>
+    <p:sldLayoutId id="2147483695" r:id="rId11"/>
   </p:sldLayoutIdLst>
   <p:hf hdr="0" dt="0"/>
   <p:txStyles>
@@ -5326,6 +5410,18 @@
   <p:clrMapOvr>
     <a:masterClrMapping/>
   </p:clrMapOvr>
+  <mc:AlternateContent xmlns:mc="http://schemas.openxmlformats.org/markup-compatibility/2006" xmlns:p14="http://schemas.microsoft.com/office/powerpoint/2010/main">
+    <mc:Choice Requires="p14">
+      <p:transition spd="med" p14:dur="700">
+        <p:fade/>
+      </p:transition>
+    </mc:Choice>
+    <mc:Fallback xmlns="">
+      <p:transition spd="med">
+        <p:fade/>
+      </p:transition>
+    </mc:Fallback>
+  </mc:AlternateContent>
   <p:timing>
     <p:tnLst>
       <p:par>
@@ -5445,11 +5541,7 @@
             </a:pPr>
             <a:r>
               <a:rPr lang="fr-FR" dirty="0" smtClean="0"/>
-              <a:t>TECHNICALS </a:t>
-            </a:r>
-            <a:r>
-              <a:rPr lang="fr-FR" dirty="0" smtClean="0"/>
-              <a:t>CHOICES</a:t>
+              <a:t>TECHNICAL CHOICES</a:t>
             </a:r>
             <a:endParaRPr lang="fr-FR" dirty="0"/>
           </a:p>
@@ -5471,7 +5563,11 @@
             </a:pPr>
             <a:r>
               <a:rPr lang="fr-FR" dirty="0" smtClean="0"/>
-              <a:t>OTHER FONCTIONALITY</a:t>
+              <a:t>APPLICATION </a:t>
+            </a:r>
+            <a:r>
+              <a:rPr lang="fr-FR" dirty="0" smtClean="0"/>
+              <a:t>IMPROVEMENTS</a:t>
             </a:r>
           </a:p>
           <a:p>
@@ -5549,7 +5645,7 @@
           <p:nvPr/>
         </p:nvPicPr>
         <p:blipFill>
-          <a:blip r:embed="rId2">
+          <a:blip r:embed="rId3">
             <a:extLst>
               <a:ext uri="{28A0092B-C50C-407E-A947-70E740481C1C}">
                 <a14:useLocalDpi xmlns:a14="http://schemas.microsoft.com/office/drawing/2010/main" val="0"/>
@@ -5580,6 +5676,9 @@
   <p:clrMapOvr>
     <a:masterClrMapping/>
   </p:clrMapOvr>
+  <p:transition spd="slow">
+    <p:push dir="u"/>
+  </p:transition>
   <p:timing>
     <p:tnLst>
       <p:par>
@@ -5662,11 +5761,7 @@
             </a:r>
             <a:r>
               <a:rPr lang="fr-FR" dirty="0" smtClean="0"/>
-              <a:t> </a:t>
-            </a:r>
-            <a:r>
-              <a:rPr lang="fr-FR" dirty="0" smtClean="0"/>
-              <a:t>of </a:t>
+              <a:t> of </a:t>
             </a:r>
             <a:r>
               <a:rPr lang="fr-FR" dirty="0" err="1" smtClean="0"/>
@@ -5723,28 +5818,8 @@
               <a:buChar char="•"/>
             </a:pPr>
             <a:r>
-              <a:rPr lang="fr-FR" dirty="0" err="1" smtClean="0"/>
-              <a:t>Improve</a:t>
-            </a:r>
-            <a:r>
-              <a:rPr lang="fr-FR" dirty="0"/>
-              <a:t> </a:t>
-            </a:r>
-            <a:r>
-              <a:rPr lang="fr-FR" dirty="0" err="1" smtClean="0"/>
-              <a:t>your</a:t>
-            </a:r>
-            <a:r>
               <a:rPr lang="fr-FR" dirty="0" smtClean="0"/>
-              <a:t> </a:t>
-            </a:r>
-            <a:r>
-              <a:rPr lang="fr-FR" dirty="0" err="1" smtClean="0"/>
-              <a:t>Skills</a:t>
-            </a:r>
-            <a:r>
-              <a:rPr lang="fr-FR" dirty="0" smtClean="0"/>
-              <a:t> </a:t>
+              <a:t>Teacher assistant</a:t>
             </a:r>
           </a:p>
           <a:p>
@@ -5845,6 +5920,9 @@
   <p:clrMapOvr>
     <a:masterClrMapping/>
   </p:clrMapOvr>
+  <p:transition spd="slow">
+    <p:push dir="d"/>
+  </p:transition>
   <p:timing>
     <p:tnLst>
       <p:par>
@@ -5931,11 +6009,7 @@
             </a:pPr>
             <a:r>
               <a:rPr lang="fr-FR" dirty="0" smtClean="0"/>
-              <a:t>Mix </a:t>
-            </a:r>
-            <a:r>
-              <a:rPr lang="fr-FR" dirty="0" smtClean="0"/>
-              <a:t>English and IT </a:t>
+              <a:t>Mix English and IT </a:t>
             </a:r>
             <a:r>
               <a:rPr lang="fr-FR" dirty="0" err="1" smtClean="0"/>
@@ -5954,13 +6028,8 @@
             </a:r>
             <a:r>
               <a:rPr lang="fr-FR" dirty="0" smtClean="0"/>
-              <a:t> </a:t>
-            </a:r>
-            <a:r>
-              <a:rPr lang="fr-FR" dirty="0" smtClean="0"/>
-              <a:t>to use</a:t>
-            </a:r>
-            <a:endParaRPr lang="fr-FR" dirty="0" smtClean="0"/>
+              <a:t> to use</a:t>
+            </a:r>
           </a:p>
           <a:p>
             <a:pPr>
@@ -6092,6 +6161,9 @@
   <p:clrMapOvr>
     <a:masterClrMapping/>
   </p:clrMapOvr>
+  <p:transition spd="slow">
+    <p:push/>
+  </p:transition>
   <p:timing>
     <p:tnLst>
       <p:par>
@@ -6487,6 +6559,9 @@
   <p:clrMapOvr>
     <a:masterClrMapping/>
   </p:clrMapOvr>
+  <p:transition spd="slow">
+    <p:push dir="r"/>
+  </p:transition>
   <p:timing>
     <p:tnLst>
       <p:par>
@@ -6575,11 +6650,7 @@
             </a:r>
             <a:r>
               <a:rPr lang="fr-FR" sz="4200" dirty="0" smtClean="0"/>
-              <a:t> </a:t>
-            </a:r>
-            <a:r>
-              <a:rPr lang="fr-FR" sz="4200" dirty="0" smtClean="0"/>
-              <a:t>:</a:t>
+              <a:t> :</a:t>
             </a:r>
           </a:p>
           <a:p>
@@ -6737,6 +6808,9 @@
   <p:clrMapOvr>
     <a:masterClrMapping/>
   </p:clrMapOvr>
+  <p:transition spd="slow">
+    <p:push/>
+  </p:transition>
   <p:timing>
     <p:tnLst>
       <p:par>
@@ -6806,28 +6880,6 @@
         <p:txBody>
           <a:bodyPr/>
           <a:lstStyle/>
-          <a:p>
-            <a:pPr>
-              <a:buFont typeface="Arial" panose="020B0604020202020204" pitchFamily="34" charset="0"/>
-              <a:buChar char="•"/>
-            </a:pPr>
-            <a:r>
-              <a:rPr lang="fr-FR" dirty="0" err="1" smtClean="0"/>
-              <a:t>Raspberry</a:t>
-            </a:r>
-            <a:r>
-              <a:rPr lang="fr-FR" dirty="0" smtClean="0"/>
-              <a:t>  PI( </a:t>
-            </a:r>
-            <a:r>
-              <a:rPr lang="fr-FR" dirty="0" err="1" smtClean="0"/>
-              <a:t>little</a:t>
-            </a:r>
-            <a:r>
-              <a:rPr lang="fr-FR" dirty="0" smtClean="0"/>
-              <a:t> computer) </a:t>
-            </a:r>
-          </a:p>
           <a:p>
             <a:pPr>
               <a:buFont typeface="Arial" panose="020B0604020202020204" pitchFamily="34" charset="0"/>
@@ -7017,6 +7069,9 @@
   <p:clrMapOvr>
     <a:masterClrMapping/>
   </p:clrMapOvr>
+  <p:transition spd="slow">
+    <p:push dir="u"/>
+  </p:transition>
   <p:timing>
     <p:tnLst>
       <p:par>
@@ -7083,6 +7138,12 @@
           <a:bodyPr/>
           <a:lstStyle/>
           <a:p>
+            <a:endParaRPr lang="fr-FR" dirty="0" smtClean="0"/>
+          </a:p>
+          <a:p>
+            <a:endParaRPr lang="fr-FR" dirty="0"/>
+          </a:p>
+          <a:p>
             <a:r>
               <a:rPr lang="fr-FR" dirty="0" smtClean="0"/>
               <a:t>Good </a:t>
@@ -7109,19 +7170,18 @@
               <a:rPr lang="fr-FR" dirty="0" smtClean="0"/>
               <a:t> free time </a:t>
             </a:r>
-            <a:endParaRPr lang="fr-FR" dirty="0" smtClean="0"/>
           </a:p>
           <a:p>
             <a:r>
               <a:rPr lang="fr-FR" dirty="0" err="1" smtClean="0"/>
-              <a:t>Increase</a:t>
+              <a:t>Developped</a:t>
             </a:r>
             <a:r>
               <a:rPr lang="fr-FR" dirty="0" smtClean="0"/>
-              <a:t> IT </a:t>
-            </a:r>
-            <a:r>
-              <a:rPr lang="fr-FR" smtClean="0"/>
+              <a:t> new IT </a:t>
+            </a:r>
+            <a:r>
+              <a:rPr lang="fr-FR" dirty="0" err="1" smtClean="0"/>
               <a:t>skills</a:t>
             </a:r>
             <a:endParaRPr lang="fr-FR" dirty="0"/>
@@ -7174,6 +7234,36 @@
           </a:p>
         </p:txBody>
       </p:sp>
+      <p:pic>
+        <p:nvPicPr>
+          <p:cNvPr id="6" name="Image 5"/>
+          <p:cNvPicPr>
+            <a:picLocks noChangeAspect="1"/>
+          </p:cNvPicPr>
+          <p:nvPr/>
+        </p:nvPicPr>
+        <p:blipFill>
+          <a:blip r:embed="rId2">
+            <a:extLst>
+              <a:ext uri="{28A0092B-C50C-407E-A947-70E740481C1C}">
+                <a14:useLocalDpi xmlns:a14="http://schemas.microsoft.com/office/drawing/2010/main" val="0"/>
+              </a:ext>
+            </a:extLst>
+          </a:blip>
+          <a:stretch>
+            <a:fillRect/>
+          </a:stretch>
+        </p:blipFill>
+        <p:spPr>
+          <a:xfrm>
+            <a:off x="4462500" y="1349737"/>
+            <a:ext cx="4680520" cy="2632793"/>
+          </a:xfrm>
+          <a:prstGeom prst="rect">
+            <a:avLst/>
+          </a:prstGeom>
+        </p:spPr>
+      </p:pic>
     </p:spTree>
     <p:extLst>
       <p:ext uri="{BB962C8B-B14F-4D97-AF65-F5344CB8AC3E}">
@@ -7184,6 +7274,9 @@
   <p:clrMapOvr>
     <a:masterClrMapping/>
   </p:clrMapOvr>
+  <p:transition spd="slow">
+    <p:push dir="d"/>
+  </p:transition>
   <p:timing>
     <p:tnLst>
       <p:par>
@@ -7336,7 +7429,7 @@
         </p:blipFill>
         <p:spPr>
           <a:xfrm>
-            <a:off x="1979712" y="980728"/>
+            <a:off x="2555776" y="993126"/>
             <a:ext cx="3960440" cy="3960440"/>
           </a:xfrm>
           <a:prstGeom prst="rect">
@@ -7354,6 +7447,18 @@
   <p:clrMapOvr>
     <a:masterClrMapping/>
   </p:clrMapOvr>
+  <mc:AlternateContent xmlns:mc="http://schemas.openxmlformats.org/markup-compatibility/2006" xmlns:p14="http://schemas.microsoft.com/office/powerpoint/2010/main">
+    <mc:Choice Requires="p14">
+      <p:transition spd="slow" p14:dur="1200">
+        <p:zoom/>
+      </p:transition>
+    </mc:Choice>
+    <mc:Fallback xmlns="">
+      <p:transition spd="slow">
+        <p:zoom/>
+      </p:transition>
+    </mc:Fallback>
+  </mc:AlternateContent>
   <p:timing>
     <p:tnLst>
       <p:par>
